--- a/00_PythonGuiDocker_Syllabus.pptx
+++ b/00_PythonGuiDocker_Syllabus.pptx
@@ -3780,7 +3780,7 @@
         <p:spPr>
           <a:xfrm>
             <a:off x="457200" y="1152181"/>
-            <a:ext cx="8352928" cy="2636859"/>
+            <a:ext cx="8352928" cy="3068907"/>
           </a:xfrm>
           <a:ln>
             <a:solidFill>
@@ -3894,7 +3894,7 @@
                   <a:srgbClr val="3C3B37"/>
                 </a:solidFill>
               </a:rPr>
-              <a:t>Sec 3: Jenkins, Dockerfile, Composer</a:t>
+              <a:t>Sec 3: Jenkins, Dockerfile, Composer, Docker Volume, Swarm</a:t>
             </a:r>
           </a:p>
           <a:p>
@@ -3911,7 +3911,24 @@
                   <a:srgbClr val="3C3B37"/>
                 </a:solidFill>
               </a:rPr>
-              <a:t>Sec 4: Docker Volume, Swarm</a:t>
+              <a:t>Sec 4: Dockerize Python API (Part1, Part 2)</a:t>
+            </a:r>
+          </a:p>
+          <a:p>
+            <a:pPr marL="922338" lvl="1" indent="-465138" algn="l">
+              <a:buClr>
+                <a:srgbClr val="0070C0"/>
+              </a:buClr>
+              <a:buFont typeface="Wingdings" pitchFamily="2" charset="2"/>
+              <a:buChar char="u"/>
+            </a:pPr>
+            <a:r>
+              <a:rPr lang="en-US" sz="1800" b="1" dirty="0">
+                <a:solidFill>
+                  <a:srgbClr val="3C3B37"/>
+                </a:solidFill>
+              </a:rPr>
+              <a:t>Sec 5: Kubernetes</a:t>
             </a:r>
           </a:p>
         </p:txBody>
@@ -4212,24 +4229,7 @@
                   <a:srgbClr val="3C3B37"/>
                 </a:solidFill>
               </a:rPr>
-              <a:t>Sec 5: Setup Basic</a:t>
-            </a:r>
-          </a:p>
-          <a:p>
-            <a:pPr marL="922338" lvl="1" indent="-465138" algn="l">
-              <a:buClr>
-                <a:srgbClr val="0070C0"/>
-              </a:buClr>
-              <a:buFont typeface="Wingdings" pitchFamily="2" charset="2"/>
-              <a:buChar char="u"/>
-            </a:pPr>
-            <a:r>
-              <a:rPr lang="en-US" sz="1800" b="1" dirty="0">
-                <a:solidFill>
-                  <a:srgbClr val="3C3B37"/>
-                </a:solidFill>
-              </a:rPr>
-              <a:t>Sec 6: Tuple List</a:t>
+              <a:t>Sec 6: Setup, Basic, Tuple, List</a:t>
             </a:r>
           </a:p>
           <a:p>
